--- a/Relatório e apresentação/Apresentação Elementos.pptx
+++ b/Relatório e apresentação/Apresentação Elementos.pptx
@@ -15688,18 +15688,18 @@
         </p:nvSpPr>
         <p:spPr>
           <a:xfrm>
-            <a:off x="5236645" y="698503"/>
+            <a:off x="5108826" y="706447"/>
             <a:ext cx="4963610" cy="5445106"/>
           </a:xfrm>
         </p:spPr>
         <p:txBody>
           <a:bodyPr rtlCol="0" anchor="ctr">
-            <a:normAutofit/>
+            <a:normAutofit fontScale="92500" lnSpcReduction="10000"/>
           </a:bodyPr>
           <a:lstStyle/>
           <a:p>
             <a:r>
-              <a:rPr lang="pt-pt">
+              <a:rPr lang="pt-pt" dirty="0">
                 <a:ea typeface="+mn-lt"/>
                 <a:cs typeface="+mn-lt"/>
               </a:rPr>
@@ -15708,7 +15708,7 @@
           </a:p>
           <a:p>
             <a:r>
-              <a:rPr lang="pt-pt">
+              <a:rPr lang="pt-pt" dirty="0">
                 <a:ea typeface="+mn-lt"/>
                 <a:cs typeface="+mn-lt"/>
               </a:rPr>
@@ -15717,7 +15717,7 @@
           </a:p>
           <a:p>
             <a:r>
-              <a:rPr lang="pt-pt">
+              <a:rPr lang="pt-pt" dirty="0">
                 <a:ea typeface="+mn-lt"/>
                 <a:cs typeface="+mn-lt"/>
               </a:rPr>
@@ -15726,12 +15726,29 @@
           </a:p>
           <a:p>
             <a:r>
-              <a:rPr lang="pt-pt">
+              <a:rPr lang="pt-pt" dirty="0">
                 <a:ea typeface="+mn-lt"/>
                 <a:cs typeface="+mn-lt"/>
               </a:rPr>
               <a:t>O desempenho escolar mostra estabilidade ao longo dos anos.</a:t>
             </a:r>
+            <a:endParaRPr lang="pt-PT" dirty="0">
+              <a:ea typeface="+mn-lt"/>
+              <a:cs typeface="+mn-lt"/>
+            </a:endParaRPr>
+          </a:p>
+          <a:p>
+            <a:r>
+              <a:rPr lang="pt-PT" dirty="0">
+                <a:ea typeface="+mn-lt"/>
+                <a:cs typeface="+mn-lt"/>
+              </a:rPr>
+              <a:t>No futuro, é possível que a taxa de desistência diminua, que o ganho médio mensal aumente e que aqueles que beneficiam do RSI tendem a ser cada vez menos.</a:t>
+            </a:r>
+            <a:endParaRPr lang="pt-pt" dirty="0">
+              <a:ea typeface="+mn-lt"/>
+              <a:cs typeface="+mn-lt"/>
+            </a:endParaRPr>
           </a:p>
         </p:txBody>
       </p:sp>
@@ -17946,6 +17963,15 @@
 </file>
 
 <file path=customXml/item1.xml><?xml version="1.0" encoding="utf-8"?>
+<?mso-contentType ?>
+<FormTemplates xmlns="http://schemas.microsoft.com/sharepoint/v3/contenttype/forms">
+  <Display>DocumentLibraryForm</Display>
+  <Edit>DocumentLibraryForm</Edit>
+  <New>DocumentLibraryForm</New>
+</FormTemplates>
+</file>
+
+<file path=customXml/item2.xml><?xml version="1.0" encoding="utf-8"?>
 <ct:contentTypeSchema xmlns:ct="http://schemas.microsoft.com/office/2006/metadata/contentType" xmlns:ma="http://schemas.microsoft.com/office/2006/metadata/properties/metaAttributes" ct:_="" ma:_="" ma:contentTypeName="Document" ma:contentTypeID="0x01010079F111ED35F8CC479449609E8A0923A6" ma:contentTypeVersion="28" ma:contentTypeDescription="Create a new document." ma:contentTypeScope="" ma:versionID="60f5a4f2d2b0abadcf532d48ebf9cb71">
   <xsd:schema xmlns:xsd="http://www.w3.org/2001/XMLSchema" xmlns:xs="http://www.w3.org/2001/XMLSchema" xmlns:p="http://schemas.microsoft.com/office/2006/metadata/properties" xmlns:ns1="http://schemas.microsoft.com/sharepoint/v3" xmlns:ns2="71af3243-3dd4-4a8d-8c0d-dd76da1f02a5" xmlns:ns3="16c05727-aa75-4e4a-9b5f-8a80a1165891" xmlns:ns4="230e9df3-be65-4c73-a93b-d1236ebd677e" targetNamespace="http://schemas.microsoft.com/office/2006/metadata/properties" ma:root="true" ma:fieldsID="7dd78129e6a1811f84807ad11c651531" ns1:_="" ns2:_="" ns3:_="" ns4:_="">
     <xsd:import namespace="http://schemas.microsoft.com/sharepoint/v3"/>
@@ -18257,15 +18283,6 @@
 </ct:contentTypeSchema>
 </file>
 
-<file path=customXml/item2.xml><?xml version="1.0" encoding="utf-8"?>
-<?mso-contentType ?>
-<FormTemplates xmlns="http://schemas.microsoft.com/sharepoint/v3/contenttype/forms">
-  <Display>DocumentLibraryForm</Display>
-  <Edit>DocumentLibraryForm</Edit>
-  <New>DocumentLibraryForm</New>
-</FormTemplates>
-</file>
-
 <file path=customXml/item3.xml><?xml version="1.0" encoding="utf-8"?>
 <p:properties xmlns:p="http://schemas.microsoft.com/office/2006/metadata/properties" xmlns:xsi="http://www.w3.org/2001/XMLSchema-instance" xmlns:pc="http://schemas.microsoft.com/office/infopath/2007/PartnerControls">
   <documentManagement>
@@ -18287,6 +18304,14 @@
 </file>
 
 <file path=customXml/itemProps1.xml><?xml version="1.0" encoding="utf-8"?>
+<ds:datastoreItem xmlns:ds="http://schemas.openxmlformats.org/officeDocument/2006/customXml" ds:itemID="{98BD8C90-A3BA-4A7A-B350-4B9A0D6525A4}">
+  <ds:schemaRefs>
+    <ds:schemaRef ds:uri="http://schemas.microsoft.com/sharepoint/v3/contenttype/forms"/>
+  </ds:schemaRefs>
+</ds:datastoreItem>
+</file>
+
+<file path=customXml/itemProps2.xml><?xml version="1.0" encoding="utf-8"?>
 <ds:datastoreItem xmlns:ds="http://schemas.openxmlformats.org/officeDocument/2006/customXml" ds:itemID="{51F051D4-1D3D-484E-9778-1C8141DF7C69}">
   <ds:schemaRefs>
     <ds:schemaRef ds:uri="16c05727-aa75-4e4a-9b5f-8a80a1165891"/>
@@ -18303,14 +18328,6 @@
     <ds:schemaRef ds:uri="http://schemas.microsoft.com/sharepoint/v3"/>
     <ds:schemaRef ds:uri="http://schemas.openxmlformats.org/package/2006/metadata/core-properties"/>
     <ds:schemaRef ds:uri="http://www.w3.org/2001/XMLSchema"/>
-  </ds:schemaRefs>
-</ds:datastoreItem>
-</file>
-
-<file path=customXml/itemProps2.xml><?xml version="1.0" encoding="utf-8"?>
-<ds:datastoreItem xmlns:ds="http://schemas.openxmlformats.org/officeDocument/2006/customXml" ds:itemID="{98BD8C90-A3BA-4A7A-B350-4B9A0D6525A4}">
-  <ds:schemaRefs>
-    <ds:schemaRef ds:uri="http://schemas.microsoft.com/sharepoint/v3/contenttype/forms"/>
   </ds:schemaRefs>
 </ds:datastoreItem>
 </file>
